--- a/bucket-service-presentation.pptx
+++ b/bucket-service-presentation.pptx
@@ -118,6 +118,11 @@
       </a:defRPr>
     </a:lvl9pPr>
   </p:defaultTextStyle>
+  <p:extLst>
+    <p:ext uri="{EFAFB233-063F-42B5-8137-9DF3F51BA10A}">
+      <p15:sldGuideLst xmlns:p15="http://schemas.microsoft.com/office/powerpoint/2012/main"/>
+    </p:ext>
+  </p:extLst>
 </p:presentation>
 </file>
 
@@ -203,7 +208,7 @@
           <a:p>
             <a:fld id="{B235C139-CFE7-C34E-963E-B7F3CA14BF82}" type="datetimeFigureOut">
               <a:rPr lang="en-US" smtClean="0"/>
-              <a:t>10/13/19</a:t>
+              <a:t>10/14/19</a:t>
             </a:fld>
             <a:endParaRPr lang="en-US"/>
           </a:p>
@@ -1687,7 +1692,7 @@
             </a:r>
             <a:r>
               <a:rPr lang="en-US" dirty="0"/>
-              <a:t>”. At GoDaddy, these new tests do not block our PRs. They run multiple times a day, and automatically get moved over to regression if the pass rate is high enough. If not, they get moved to a review bucket. This only happens after 40 test runs.</a:t>
+              <a:t>”. At GoDaddy, these “new” tests do not block our PRs. They run multiple times a day, and automatically get moved over to regression if the pass rate is high enough. If not, they get moved to a review bucket. This only happens after 40 test runs.</a:t>
             </a:r>
           </a:p>
         </p:txBody>
@@ -2040,7 +2045,7 @@
           <a:p>
             <a:fld id="{9AB3A824-1A51-4B26-AD58-A6D8E14F6C04}" type="datetimeFigureOut">
               <a:rPr lang="en-US" dirty="0"/>
-              <a:t>10/13/19</a:t>
+              <a:t>10/14/19</a:t>
             </a:fld>
             <a:endParaRPr lang="en-US" dirty="0"/>
           </a:p>
@@ -2374,7 +2379,7 @@
           <a:p>
             <a:fld id="{D857E33E-8B18-4087-B112-809917729534}" type="datetimeFigureOut">
               <a:rPr lang="en-US" dirty="0"/>
-              <a:t>10/13/19</a:t>
+              <a:t>10/14/19</a:t>
             </a:fld>
             <a:endParaRPr lang="en-US" dirty="0"/>
           </a:p>
@@ -2676,7 +2681,7 @@
           <a:p>
             <a:fld id="{D3FFE419-2371-464F-8239-3959401C3561}" type="datetimeFigureOut">
               <a:rPr lang="en-US" dirty="0"/>
-              <a:t>10/13/19</a:t>
+              <a:t>10/14/19</a:t>
             </a:fld>
             <a:endParaRPr lang="en-US" dirty="0"/>
           </a:p>
@@ -2923,7 +2928,7 @@
           <a:p>
             <a:fld id="{97D162C4-EDD9-4389-A98B-B87ECEA2A816}" type="datetimeFigureOut">
               <a:rPr lang="en-US" dirty="0"/>
-              <a:t>10/13/19</a:t>
+              <a:t>10/14/19</a:t>
             </a:fld>
             <a:endParaRPr lang="en-US" dirty="0"/>
           </a:p>
@@ -3330,7 +3335,7 @@
           <a:p>
             <a:fld id="{3E5059C3-6A89-4494-99FF-5A4D6FFD50EB}" type="datetimeFigureOut">
               <a:rPr lang="en-US" dirty="0"/>
-              <a:t>10/13/19</a:t>
+              <a:t>10/14/19</a:t>
             </a:fld>
             <a:endParaRPr lang="en-US" dirty="0"/>
           </a:p>
@@ -3644,7 +3649,7 @@
           <a:p>
             <a:fld id="{CA954B2F-12DE-47F5-8894-472B206D2E1E}" type="datetimeFigureOut">
               <a:rPr lang="en-US" dirty="0"/>
-              <a:t>10/13/19</a:t>
+              <a:t>10/14/19</a:t>
             </a:fld>
             <a:endParaRPr lang="en-US" dirty="0"/>
           </a:p>
@@ -4188,7 +4193,7 @@
           <a:p>
             <a:fld id="{3F30E46F-7819-4ACF-B48B-48222C2ACC88}" type="datetimeFigureOut">
               <a:rPr lang="en-US" dirty="0"/>
-              <a:t>10/13/19</a:t>
+              <a:t>10/14/19</a:t>
             </a:fld>
             <a:endParaRPr lang="en-US" dirty="0"/>
           </a:p>
@@ -4383,7 +4388,7 @@
           <a:p>
             <a:fld id="{1FAF3416-4057-4DAA-829D-4CA07428D088}" type="datetimeFigureOut">
               <a:rPr lang="en-US" dirty="0"/>
-              <a:t>10/13/19</a:t>
+              <a:t>10/14/19</a:t>
             </a:fld>
             <a:endParaRPr lang="en-US" dirty="0"/>
           </a:p>
@@ -4596,7 +4601,7 @@
           <a:p>
             <a:fld id="{921D9284-D300-4297-87F7-E791DCC15DB1}" type="datetimeFigureOut">
               <a:rPr lang="en-US" dirty="0"/>
-              <a:t>10/13/19</a:t>
+              <a:t>10/14/19</a:t>
             </a:fld>
             <a:endParaRPr lang="en-US" dirty="0"/>
           </a:p>
@@ -4965,7 +4970,7 @@
           <a:p>
             <a:fld id="{37D525BB-DA17-4BA0-B3C8-3AC3ABC827E6}" type="datetimeFigureOut">
               <a:rPr lang="en-US" dirty="0"/>
-              <a:t>10/13/19</a:t>
+              <a:t>10/14/19</a:t>
             </a:fld>
             <a:endParaRPr lang="en-US" dirty="0"/>
           </a:p>
@@ -5368,7 +5373,7 @@
           <a:p>
             <a:fld id="{B16C4C9A-3960-41CF-A4E9-2A8FB932454B}" type="datetimeFigureOut">
               <a:rPr lang="en-US" dirty="0"/>
-              <a:t>10/13/19</a:t>
+              <a:t>10/14/19</a:t>
             </a:fld>
             <a:endParaRPr lang="en-US" dirty="0"/>
           </a:p>
@@ -5679,7 +5684,7 @@
           <a:p>
             <a:fld id="{3CBC1C18-307B-4F68-A007-B5B542270E8D}" type="datetimeFigureOut">
               <a:rPr lang="en-US" dirty="0"/>
-              <a:t>10/13/19</a:t>
+              <a:t>10/14/19</a:t>
             </a:fld>
             <a:endParaRPr lang="en-US" dirty="0"/>
           </a:p>
@@ -7532,20 +7537,19 @@
             </a:extLst>
           </p:cNvPr>
           <p:cNvCxnSpPr>
-            <a:stCxn id="10" idx="1"/>
-            <a:endCxn id="11" idx="0"/>
+            <a:cxnSpLocks/>
           </p:cNvCxnSpPr>
           <p:nvPr/>
         </p:nvCxnSpPr>
         <p:spPr>
           <a:xfrm flipH="1">
-            <a:off x="3604613" y="2239228"/>
-            <a:ext cx="1801134" cy="2165504"/>
+            <a:off x="3557216" y="2239228"/>
+            <a:ext cx="1737360" cy="2165504"/>
           </a:xfrm>
           <a:prstGeom prst="straightConnector1">
             <a:avLst/>
           </a:prstGeom>
-          <a:ln>
+          <a:ln w="38100">
             <a:tailEnd type="triangle"/>
           </a:ln>
         </p:spPr>
@@ -7587,7 +7591,7 @@
           <a:prstGeom prst="straightConnector1">
             <a:avLst/>
           </a:prstGeom>
-          <a:ln>
+          <a:ln w="38100">
             <a:tailEnd type="triangle"/>
           </a:ln>
         </p:spPr>

--- a/bucket-service-presentation.pptx
+++ b/bucket-service-presentation.pptx
@@ -521,7 +521,7 @@
           <a:p>
             <a:r>
               <a:rPr lang="en-US" dirty="0"/>
-              <a:t>Hi all. This presentation is about the bucket service that we open sourced at GoDaddy earlier this year. This is a service that lets you tag your tests to enable or disable them without a code change.</a:t>
+              <a:t>Hi all. This presentation is about the bucket service that we open sourced at GoDaddy earlier this year. This is a service that lets you tag your tests without a code change (at its core functionality).</a:t>
             </a:r>
           </a:p>
         </p:txBody>
@@ -863,7 +863,15 @@
           <a:p>
             <a:r>
               <a:rPr lang="en-US" dirty="0"/>
-              <a:t>I wanted to first go over some simple terminology. A bucket is the same thing as a tag. Some testing frameworks allow you to add tags in the code for specific tests. We are using the term bucket.</a:t>
+              <a:t>I wanted to first go over some simple terminology. A bucket is the same thing as a tag. Some testing frameworks allow you to add tags in the code for specific tests. We are using the term bucket. Also, when I use the bucket </a:t>
+            </a:r>
+            <a:r>
+              <a:rPr lang="en-US" dirty="0" err="1"/>
+              <a:t>dt_chrome_regression</a:t>
+            </a:r>
+            <a:r>
+              <a:rPr lang="en-US" dirty="0"/>
+              <a:t> , that means the desktop chrome regression bucket.</a:t>
             </a:r>
           </a:p>
         </p:txBody>
@@ -950,7 +958,7 @@
           <a:p>
             <a:r>
               <a:rPr lang="en-US" dirty="0"/>
-              <a:t>We originally had these buckets hardcoded in the code, in the title of each test. This became tough to manage. Our code was littered with these buckets, and every time we wanted to update a test’s buckets, we would need a code change. Now we store a unique id in the test, then we link it up to the bucket service with that unique id. We can then make API calls to the bucket service to change the buckets a specific test has.</a:t>
+              <a:t>We originally had these buckets hardcoded in the code, in the title of each test. This became tough to manage as you can imagine. Our code was littered with these buckets, and every time we wanted to update a test’s buckets, we would need a code change. Now we store a unique id in the test, then we link it up to the bucket service with that unique id. We can then make API calls to the bucket service to change the buckets a specific test has.</a:t>
             </a:r>
           </a:p>
         </p:txBody>
@@ -1037,7 +1045,7 @@
           <a:p>
             <a:r>
               <a:rPr lang="en-US" dirty="0"/>
-              <a:t>You first need to create a project in the bucket-service. Each test in the bucket service is tied to a single project. You are able to create a project, update a project, or delete a project from these project endpoints. I’ll show the swagger page for these endpoints, and the next slide’s endpoints, during our demo.</a:t>
+              <a:t>There are two kinds of endpoints in our service. Project endpoints and Test endpoints. You first need to create a project in the bucket-service. Each test in the bucket service is tied to a single project. You are able to create, update, or delete a project from these project endpoints. I’ll show the swagger page for these endpoints, and the next slide’s endpoints, during our demo.</a:t>
             </a:r>
           </a:p>
         </p:txBody>
@@ -1222,6 +1230,15 @@
               <a:t>Show steps, and swagger</a:t>
             </a:r>
           </a:p>
+          <a:p>
+            <a:endParaRPr lang="en-US" dirty="0"/>
+          </a:p>
+          <a:p>
+            <a:r>
+              <a:rPr lang="en-US" dirty="0"/>
+              <a:t>We use docker to run mongo, but you don’t have to.</a:t>
+            </a:r>
+          </a:p>
         </p:txBody>
       </p:sp>
       <p:sp>
@@ -1692,7 +1709,7 @@
             </a:r>
             <a:r>
               <a:rPr lang="en-US" dirty="0"/>
-              <a:t>”. At GoDaddy, these “new” tests do not block our PRs. They run multiple times a day, and automatically get moved over to regression if the pass rate is high enough. If not, they get moved to a review bucket. This only happens after 40 test runs.</a:t>
+              <a:t>”. At GoDaddy, these “new” tests do not block our PRs. They may run as part of the PR, but it won’t fail the PR if the test fails. They run multiple times a day, and automatically get moved over to regression if the pass rate is high enough. If not, they get moved to a review bucket. This only happens after 40 test runs.</a:t>
             </a:r>
           </a:p>
         </p:txBody>
@@ -1779,15 +1796,7 @@
           <a:p>
             <a:r>
               <a:rPr lang="en-US" dirty="0"/>
-              <a:t>If a test isn’t in the bucket service, it won’t be picked up. So after you create a new test, you have to add it to the bucket service, with the correct buckets. This can lead to missing test coverage if you forget. At GoDaddy, we have a pre-check of sorts, which is a step in our </a:t>
-            </a:r>
-            <a:r>
-              <a:rPr lang="en-US" dirty="0" err="1"/>
-              <a:t>cicd</a:t>
-            </a:r>
-            <a:r>
-              <a:rPr lang="en-US" dirty="0"/>
-              <a:t> pipeline that verifies all tests in the codebase also appear in the bucket service. As well as the opposite of checking that all tests in the bucket service, appear in the code base.</a:t>
+              <a:t>It’s not all ice cream and rainbows. If a test isn’t in the bucket service, it won’t be picked up. So after you create a new test, you have to add it to the bucket service, with the correct buckets. This can lead to missing test coverage if you forget. At GoDaddy, we have a pre-check of sorts, which is a step in our CICD pipeline that verifies all tests in the codebase also appear in the bucket service. As well as the opposite of checking that all tests in the bucket service, appear in the codebase.</a:t>
             </a:r>
           </a:p>
         </p:txBody>
@@ -6252,7 +6261,7 @@
           <a:p>
             <a:r>
               <a:rPr lang="en-US" dirty="0"/>
-              <a:t>A service to tag your tests to enable/disable without a code change</a:t>
+              <a:t>A service to tag your tests without a code change</a:t>
             </a:r>
           </a:p>
         </p:txBody>
@@ -6971,7 +6980,7 @@
           <a:p>
             <a:r>
               <a:rPr lang="en-US" dirty="0"/>
-              <a:t>Bucket Endpoints</a:t>
+              <a:t>Test Endpoints</a:t>
             </a:r>
           </a:p>
         </p:txBody>
